--- a/Lab-Slides/Arthropod_devlopment_senses_taxonomy_2015.pptx
+++ b/Lab-Slides/Arthropod_devlopment_senses_taxonomy_2015.pptx
@@ -5,29 +5,30 @@
     <p:sldMasterId id="2147483648" r:id="rId1"/>
   </p:sldMasterIdLst>
   <p:notesMasterIdLst>
-    <p:notesMasterId r:id="rId19"/>
+    <p:notesMasterId r:id="rId20"/>
   </p:notesMasterIdLst>
   <p:handoutMasterIdLst>
-    <p:handoutMasterId r:id="rId20"/>
+    <p:handoutMasterId r:id="rId21"/>
   </p:handoutMasterIdLst>
   <p:sldIdLst>
-    <p:sldId id="256" r:id="rId2"/>
-    <p:sldId id="278" r:id="rId3"/>
-    <p:sldId id="279" r:id="rId4"/>
-    <p:sldId id="280" r:id="rId5"/>
-    <p:sldId id="281" r:id="rId6"/>
-    <p:sldId id="282" r:id="rId7"/>
-    <p:sldId id="283" r:id="rId8"/>
-    <p:sldId id="284" r:id="rId9"/>
-    <p:sldId id="261" r:id="rId10"/>
-    <p:sldId id="259" r:id="rId11"/>
-    <p:sldId id="260" r:id="rId12"/>
-    <p:sldId id="263" r:id="rId13"/>
-    <p:sldId id="264" r:id="rId14"/>
-    <p:sldId id="262" r:id="rId15"/>
-    <p:sldId id="286" r:id="rId16"/>
-    <p:sldId id="265" r:id="rId17"/>
-    <p:sldId id="285" r:id="rId18"/>
+    <p:sldId id="287" r:id="rId2"/>
+    <p:sldId id="256" r:id="rId3"/>
+    <p:sldId id="278" r:id="rId4"/>
+    <p:sldId id="279" r:id="rId5"/>
+    <p:sldId id="280" r:id="rId6"/>
+    <p:sldId id="281" r:id="rId7"/>
+    <p:sldId id="282" r:id="rId8"/>
+    <p:sldId id="283" r:id="rId9"/>
+    <p:sldId id="284" r:id="rId10"/>
+    <p:sldId id="261" r:id="rId11"/>
+    <p:sldId id="259" r:id="rId12"/>
+    <p:sldId id="260" r:id="rId13"/>
+    <p:sldId id="263" r:id="rId14"/>
+    <p:sldId id="264" r:id="rId15"/>
+    <p:sldId id="262" r:id="rId16"/>
+    <p:sldId id="286" r:id="rId17"/>
+    <p:sldId id="265" r:id="rId18"/>
+    <p:sldId id="285" r:id="rId19"/>
   </p:sldIdLst>
   <p:sldSz cx="9144000" cy="6858000" type="screen4x3"/>
   <p:notesSz cx="6858000" cy="9144000"/>
@@ -1015,7 +1016,7 @@
             <a:fld id="{3CEE4B44-A2AB-7B4C-944A-80EB39C47AFF}" type="slidenum">
               <a:rPr lang="en-US" sz="1200"/>
               <a:pPr eaLnBrk="1" hangingPunct="1"/>
-              <a:t>1</a:t>
+              <a:t>2</a:t>
             </a:fld>
             <a:endParaRPr lang="en-US" sz="1200"/>
           </a:p>
@@ -1261,7 +1262,7 @@
             <a:fld id="{DF715E32-98B9-C14C-AD07-B35805CB9EBD}" type="slidenum">
               <a:rPr lang="en-US" sz="1200"/>
               <a:pPr eaLnBrk="1" hangingPunct="1"/>
-              <a:t>10</a:t>
+              <a:t>11</a:t>
             </a:fld>
             <a:endParaRPr lang="en-US" sz="1200"/>
           </a:p>
@@ -1507,7 +1508,7 @@
             <a:fld id="{0DB22BC7-78BA-7547-AAD0-2D6A68BC4731}" type="slidenum">
               <a:rPr lang="en-US" sz="1200"/>
               <a:pPr eaLnBrk="1" hangingPunct="1"/>
-              <a:t>11</a:t>
+              <a:t>12</a:t>
             </a:fld>
             <a:endParaRPr lang="en-US" sz="1200"/>
           </a:p>
@@ -1753,7 +1754,7 @@
             <a:fld id="{C3C026B4-D1E8-AA44-9BA4-C67368E8F438}" type="slidenum">
               <a:rPr lang="en-US" sz="1200"/>
               <a:pPr eaLnBrk="1" hangingPunct="1"/>
-              <a:t>12</a:t>
+              <a:t>13</a:t>
             </a:fld>
             <a:endParaRPr lang="en-US" sz="1200"/>
           </a:p>
@@ -1999,7 +2000,7 @@
             <a:fld id="{E7F78512-76CC-0A44-A3E7-6FF6607E4708}" type="slidenum">
               <a:rPr lang="en-US" sz="1200"/>
               <a:pPr eaLnBrk="1" hangingPunct="1"/>
-              <a:t>13</a:t>
+              <a:t>14</a:t>
             </a:fld>
             <a:endParaRPr lang="en-US" sz="1200"/>
           </a:p>
@@ -2245,7 +2246,7 @@
             <a:fld id="{4421235C-BE5D-2045-BA15-C5FB9DA6EB4A}" type="slidenum">
               <a:rPr lang="en-US" sz="1200"/>
               <a:pPr eaLnBrk="1" hangingPunct="1"/>
-              <a:t>14</a:t>
+              <a:t>15</a:t>
             </a:fld>
             <a:endParaRPr lang="en-US" sz="1200"/>
           </a:p>
@@ -2491,7 +2492,7 @@
             <a:fld id="{C2983A9E-3515-3945-9E49-47A51080FE22}" type="slidenum">
               <a:rPr lang="en-US" sz="1200"/>
               <a:pPr eaLnBrk="1" hangingPunct="1"/>
-              <a:t>15</a:t>
+              <a:t>16</a:t>
             </a:fld>
             <a:endParaRPr lang="en-US" sz="1200"/>
           </a:p>
@@ -2737,7 +2738,7 @@
             <a:fld id="{CFEAA7C7-B4F6-0548-A243-D6BC2E443BBF}" type="slidenum">
               <a:rPr lang="en-US" sz="1200"/>
               <a:pPr eaLnBrk="1" hangingPunct="1"/>
-              <a:t>16</a:t>
+              <a:t>17</a:t>
             </a:fld>
             <a:endParaRPr lang="en-US" sz="1200"/>
           </a:p>
@@ -2983,7 +2984,7 @@
             <a:fld id="{F8D7EE8F-1DFF-2248-A93F-58E10A738962}" type="slidenum">
               <a:rPr lang="en-US" sz="1200"/>
               <a:pPr eaLnBrk="1" hangingPunct="1"/>
-              <a:t>17</a:t>
+              <a:t>18</a:t>
             </a:fld>
             <a:endParaRPr lang="en-US" sz="1200"/>
           </a:p>
@@ -3229,7 +3230,7 @@
             <a:fld id="{9928F4F4-EEA7-A04C-99C0-A34A9D3A41D5}" type="slidenum">
               <a:rPr lang="en-US" sz="1200"/>
               <a:pPr eaLnBrk="1" hangingPunct="1"/>
-              <a:t>2</a:t>
+              <a:t>3</a:t>
             </a:fld>
             <a:endParaRPr lang="en-US" sz="1200"/>
           </a:p>
@@ -3487,7 +3488,7 @@
             <a:fld id="{CDD84BC1-AC17-5543-BBD9-8C0B261B1D43}" type="slidenum">
               <a:rPr lang="en-US" sz="1200"/>
               <a:pPr eaLnBrk="1" hangingPunct="1"/>
-              <a:t>3</a:t>
+              <a:t>4</a:t>
             </a:fld>
             <a:endParaRPr lang="en-US" sz="1200"/>
           </a:p>
@@ -3733,7 +3734,7 @@
             <a:fld id="{446A98EB-F3A7-F34C-AC1F-455469C8A166}" type="slidenum">
               <a:rPr lang="en-US" sz="1200"/>
               <a:pPr eaLnBrk="1" hangingPunct="1"/>
-              <a:t>4</a:t>
+              <a:t>5</a:t>
             </a:fld>
             <a:endParaRPr lang="en-US" sz="1200"/>
           </a:p>
@@ -3979,7 +3980,7 @@
             <a:fld id="{A10CC30C-88F9-A54A-9A5B-77191C5D1A12}" type="slidenum">
               <a:rPr lang="en-US" sz="1200"/>
               <a:pPr eaLnBrk="1" hangingPunct="1"/>
-              <a:t>5</a:t>
+              <a:t>6</a:t>
             </a:fld>
             <a:endParaRPr lang="en-US" sz="1200"/>
           </a:p>
@@ -4225,7 +4226,7 @@
             <a:fld id="{EA90645F-2E24-D642-A586-8EA4A902C6A4}" type="slidenum">
               <a:rPr lang="en-US" sz="1200"/>
               <a:pPr eaLnBrk="1" hangingPunct="1"/>
-              <a:t>6</a:t>
+              <a:t>7</a:t>
             </a:fld>
             <a:endParaRPr lang="en-US" sz="1200"/>
           </a:p>
@@ -4471,7 +4472,7 @@
             <a:fld id="{28564BB6-EB3C-5745-A04A-173230D84776}" type="slidenum">
               <a:rPr lang="en-US" sz="1200"/>
               <a:pPr eaLnBrk="1" hangingPunct="1"/>
-              <a:t>7</a:t>
+              <a:t>8</a:t>
             </a:fld>
             <a:endParaRPr lang="en-US" sz="1200"/>
           </a:p>
@@ -4717,7 +4718,7 @@
             <a:fld id="{F58B42E4-A465-EB4B-87C7-5E060A9F52AF}" type="slidenum">
               <a:rPr lang="en-US" sz="1200"/>
               <a:pPr eaLnBrk="1" hangingPunct="1"/>
-              <a:t>8</a:t>
+              <a:t>9</a:t>
             </a:fld>
             <a:endParaRPr lang="en-US" sz="1200"/>
           </a:p>
@@ -4963,7 +4964,7 @@
             <a:fld id="{F95C73ED-D280-2B42-9D22-8BF88479171F}" type="slidenum">
               <a:rPr lang="en-US" sz="1200"/>
               <a:pPr eaLnBrk="1" hangingPunct="1"/>
-              <a:t>9</a:t>
+              <a:t>10</a:t>
             </a:fld>
             <a:endParaRPr lang="en-US" sz="1200"/>
           </a:p>
@@ -8440,68 +8441,307 @@
       </p:grpSpPr>
       <p:sp>
         <p:nvSpPr>
-          <p:cNvPr id="15361" name="Rectangle 2"/>
-          <p:cNvSpPr>
-            <a:spLocks noGrp="1" noChangeArrowheads="1"/>
-          </p:cNvSpPr>
-          <p:nvPr>
-            <p:ph type="ctrTitle"/>
-          </p:nvPr>
-        </p:nvSpPr>
-        <p:spPr>
-          <a:xfrm>
-            <a:off x="457200" y="2286000"/>
-            <a:ext cx="7772400" cy="1470025"/>
-          </a:xfrm>
-        </p:spPr>
+          <p:cNvPr id="2" name="Title 1"/>
+          <p:cNvSpPr>
+            <a:spLocks noGrp="1"/>
+          </p:cNvSpPr>
+          <p:nvPr>
+            <p:ph type="title"/>
+          </p:nvPr>
+        </p:nvSpPr>
+        <p:spPr/>
         <p:txBody>
           <a:bodyPr/>
           <a:lstStyle/>
           <a:p>
-            <a:pPr eaLnBrk="1" hangingPunct="1"/>
-            <a:r>
-              <a:rPr lang="en-US" sz="4000">
-                <a:latin typeface="Arial" charset="0"/>
-                <a:ea typeface="ＭＳ Ｐゴシック" charset="0"/>
-                <a:cs typeface="ＭＳ Ｐゴシック" charset="0"/>
-              </a:rPr>
-              <a:t>Class Crustacea: Senses, Development and more Taxonomy</a:t>
-            </a:r>
+            <a:r>
+              <a:rPr lang="en-US" dirty="0" err="1" smtClean="0"/>
+              <a:t>Alki</a:t>
+            </a:r>
+            <a:r>
+              <a:rPr lang="en-US" dirty="0" smtClean="0"/>
+              <a:t> Field Trip</a:t>
+            </a:r>
+            <a:endParaRPr lang="en-US" dirty="0"/>
           </a:p>
         </p:txBody>
       </p:sp>
       <p:sp>
         <p:nvSpPr>
-          <p:cNvPr id="15362" name="Rectangle 3"/>
-          <p:cNvSpPr>
-            <a:spLocks noGrp="1" noChangeArrowheads="1"/>
-          </p:cNvSpPr>
-          <p:nvPr>
-            <p:ph type="subTitle" idx="1"/>
-          </p:nvPr>
-        </p:nvSpPr>
-        <p:spPr>
-          <a:xfrm>
-            <a:off x="1371600" y="5105400"/>
-            <a:ext cx="6400800" cy="1752600"/>
-          </a:xfrm>
-        </p:spPr>
+          <p:cNvPr id="3" name="Content Placeholder 2"/>
+          <p:cNvSpPr>
+            <a:spLocks noGrp="1"/>
+          </p:cNvSpPr>
+          <p:nvPr>
+            <p:ph idx="1"/>
+          </p:nvPr>
+        </p:nvSpPr>
+        <p:spPr/>
         <p:txBody>
           <a:bodyPr/>
           <a:lstStyle/>
           <a:p>
-            <a:pPr eaLnBrk="1" hangingPunct="1"/>
+            <a:r>
+              <a:rPr lang="en-US" dirty="0" smtClean="0"/>
+              <a:t>Meet at FTR Parking lot between 8:30 and 9 am.</a:t>
+            </a:r>
+          </a:p>
+          <a:p>
+            <a:r>
+              <a:rPr lang="en-US" dirty="0" smtClean="0"/>
+              <a:t>Leave for </a:t>
+            </a:r>
+            <a:r>
+              <a:rPr lang="en-US" dirty="0" err="1" smtClean="0"/>
+              <a:t>Alki</a:t>
+            </a:r>
+            <a:r>
+              <a:rPr lang="en-US" dirty="0" smtClean="0"/>
+              <a:t> at 9 am. </a:t>
+            </a:r>
+          </a:p>
+          <a:p>
+            <a:r>
+              <a:rPr lang="en-US" dirty="0" smtClean="0"/>
+              <a:t>Return from </a:t>
+            </a:r>
+            <a:r>
+              <a:rPr lang="en-US" dirty="0" err="1" smtClean="0"/>
+              <a:t>Alki</a:t>
+            </a:r>
+            <a:r>
+              <a:rPr lang="en-US" dirty="0" smtClean="0"/>
+              <a:t> between 1 and 2 pm. </a:t>
+            </a:r>
+          </a:p>
+          <a:p>
+            <a:r>
+              <a:rPr lang="en-US" dirty="0" smtClean="0"/>
+              <a:t>Parking Free in FTR parking lot all day</a:t>
+            </a:r>
+          </a:p>
+          <a:p>
+            <a:r>
+              <a:rPr lang="en-US" dirty="0" smtClean="0"/>
+              <a:t>Bring Worksheets with you</a:t>
+            </a:r>
+            <a:endParaRPr lang="en-US" dirty="0"/>
+          </a:p>
+        </p:txBody>
+      </p:sp>
+    </p:spTree>
+    <p:extLst>
+      <p:ext uri="{BB962C8B-B14F-4D97-AF65-F5344CB8AC3E}">
+        <p14:creationId xmlns:p14="http://schemas.microsoft.com/office/powerpoint/2010/main" val="2858926998"/>
+      </p:ext>
+    </p:extLst>
+  </p:cSld>
+  <p:clrMapOvr>
+    <a:masterClrMapping/>
+  </p:clrMapOvr>
+  <p:timing>
+    <p:tnLst>
+      <p:par>
+        <p:cTn id="1" dur="indefinite" restart="never" nodeType="tmRoot"/>
+      </p:par>
+    </p:tnLst>
+  </p:timing>
+</p:sld>
+</file>
+
+<file path=ppt/slides/slide10.xml><?xml version="1.0" encoding="utf-8"?>
+<p:sld xmlns:a="http://schemas.openxmlformats.org/drawingml/2006/main" xmlns:r="http://schemas.openxmlformats.org/officeDocument/2006/relationships" xmlns:p="http://schemas.openxmlformats.org/presentationml/2006/main">
+  <p:cSld>
+    <p:spTree>
+      <p:nvGrpSpPr>
+        <p:cNvPr id="1" name=""/>
+        <p:cNvGrpSpPr/>
+        <p:nvPr/>
+      </p:nvGrpSpPr>
+      <p:grpSpPr>
+        <a:xfrm>
+          <a:off x="0" y="0"/>
+          <a:ext cx="0" cy="0"/>
+          <a:chOff x="0" y="0"/>
+          <a:chExt cx="0" cy="0"/>
+        </a:xfrm>
+      </p:grpSpPr>
+      <p:sp>
+        <p:nvSpPr>
+          <p:cNvPr id="31745" name="Rectangle 3"/>
+          <p:cNvSpPr>
+            <a:spLocks noGrp="1" noChangeArrowheads="1"/>
+          </p:cNvSpPr>
+          <p:nvPr>
+            <p:ph type="body" idx="1"/>
+          </p:nvPr>
+        </p:nvSpPr>
+        <p:spPr>
+          <a:xfrm>
+            <a:off x="457200" y="1295400"/>
+            <a:ext cx="8229600" cy="4525963"/>
+          </a:xfrm>
+        </p:spPr>
+        <p:txBody>
+          <a:bodyPr/>
+          <a:lstStyle/>
+          <a:p>
+            <a:pPr eaLnBrk="1" hangingPunct="1">
+              <a:lnSpc>
+                <a:spcPct val="90000"/>
+              </a:lnSpc>
+            </a:pPr>
             <a:r>
               <a:rPr lang="en-US">
                 <a:latin typeface="Arial" charset="0"/>
                 <a:ea typeface="ＭＳ Ｐゴシック" charset="0"/>
                 <a:cs typeface="ＭＳ Ｐゴシック" charset="0"/>
               </a:rPr>
-              <a:t>A big day in 310</a:t>
+              <a:t>Very complicated</a:t>
+            </a:r>
+          </a:p>
+          <a:p>
+            <a:pPr eaLnBrk="1" hangingPunct="1">
+              <a:lnSpc>
+                <a:spcPct val="90000"/>
+              </a:lnSpc>
+            </a:pPr>
+            <a:r>
+              <a:rPr lang="en-US">
+                <a:latin typeface="Arial" charset="0"/>
+                <a:ea typeface="ＭＳ Ｐゴシック" charset="0"/>
+                <a:cs typeface="ＭＳ Ｐゴシック" charset="0"/>
+              </a:rPr>
+              <a:t>Number and type of larval stages varies considerably </a:t>
+            </a:r>
+          </a:p>
+          <a:p>
+            <a:pPr eaLnBrk="1" hangingPunct="1">
+              <a:lnSpc>
+                <a:spcPct val="90000"/>
+              </a:lnSpc>
+            </a:pPr>
+            <a:r>
+              <a:rPr lang="en-US">
+                <a:latin typeface="Arial" charset="0"/>
+                <a:ea typeface="ＭＳ Ｐゴシック" charset="0"/>
+                <a:cs typeface="ＭＳ Ｐゴシック" charset="0"/>
+              </a:rPr>
+              <a:t>Crustacean larvae may look nothing like their parents</a:t>
             </a:r>
           </a:p>
         </p:txBody>
       </p:sp>
+      <p:sp>
+        <p:nvSpPr>
+          <p:cNvPr id="31746" name="Rectangle 4"/>
+          <p:cNvSpPr>
+            <a:spLocks noChangeArrowheads="1"/>
+          </p:cNvSpPr>
+          <p:nvPr/>
+        </p:nvSpPr>
+        <p:spPr bwMode="auto">
+          <a:xfrm>
+            <a:off x="457200" y="76200"/>
+            <a:ext cx="8229600" cy="1143000"/>
+          </a:xfrm>
+          <a:prstGeom prst="rect">
+            <a:avLst/>
+          </a:prstGeom>
+          <a:noFill/>
+          <a:ln>
+            <a:noFill/>
+          </a:ln>
+          <a:extLst>
+            <a:ext uri="{909E8E84-426E-40dd-AFC4-6F175D3DCCD1}">
+              <a14:hiddenFill xmlns="" xmlns:a14="http://schemas.microsoft.com/office/drawing/2010/main">
+                <a:solidFill>
+                  <a:srgbClr val="FFFFFF"/>
+                </a:solidFill>
+              </a14:hiddenFill>
+            </a:ext>
+            <a:ext uri="{91240B29-F687-4f45-9708-019B960494DF}">
+              <a14:hiddenLine xmlns="" xmlns:a14="http://schemas.microsoft.com/office/drawing/2010/main" w="9525">
+                <a:solidFill>
+                  <a:srgbClr val="000000"/>
+                </a:solidFill>
+                <a:miter lim="800000"/>
+                <a:headEnd/>
+                <a:tailEnd/>
+              </a14:hiddenLine>
+            </a:ext>
+          </a:extLst>
+        </p:spPr>
+        <p:txBody>
+          <a:bodyPr anchor="ctr"/>
+          <a:lstStyle/>
+          <a:p>
+            <a:pPr algn="ctr"/>
+            <a:r>
+              <a:rPr lang="en-US" sz="4400">
+                <a:solidFill>
+                  <a:schemeClr val="tx2"/>
+                </a:solidFill>
+              </a:rPr>
+              <a:t>Crustacean Development</a:t>
+            </a:r>
+          </a:p>
+        </p:txBody>
+      </p:sp>
+      <p:pic>
+        <p:nvPicPr>
+          <p:cNvPr id="31747" name="Picture 3" descr="Wonders of the Sea_ Crustaceans.jpg"/>
+          <p:cNvPicPr>
+            <a:picLocks noChangeAspect="1"/>
+          </p:cNvPicPr>
+          <p:nvPr/>
+        </p:nvPicPr>
+        <p:blipFill>
+          <a:blip r:embed="rId3">
+            <a:extLst>
+              <a:ext uri="{28A0092B-C50C-407E-A947-70E740481C1C}">
+                <a14:useLocalDpi xmlns:a14="http://schemas.microsoft.com/office/drawing/2010/main" val="0"/>
+              </a:ext>
+            </a:extLst>
+          </a:blip>
+          <a:srcRect/>
+          <a:stretch>
+            <a:fillRect/>
+          </a:stretch>
+        </p:blipFill>
+        <p:spPr bwMode="auto">
+          <a:xfrm>
+            <a:off x="1828800" y="3810000"/>
+            <a:ext cx="4953000" cy="2740025"/>
+          </a:xfrm>
+          <a:prstGeom prst="rect">
+            <a:avLst/>
+          </a:prstGeom>
+          <a:noFill/>
+          <a:ln>
+            <a:noFill/>
+          </a:ln>
+          <a:extLst>
+            <a:ext uri="{909E8E84-426E-40dd-AFC4-6F175D3DCCD1}">
+              <a14:hiddenFill xmlns="" xmlns:a14="http://schemas.microsoft.com/office/drawing/2010/main">
+                <a:solidFill>
+                  <a:srgbClr val="FFFFFF"/>
+                </a:solidFill>
+              </a14:hiddenFill>
+            </a:ext>
+            <a:ext uri="{91240B29-F687-4f45-9708-019B960494DF}">
+              <a14:hiddenLine xmlns="" xmlns:a14="http://schemas.microsoft.com/office/drawing/2010/main" w="9525">
+                <a:solidFill>
+                  <a:srgbClr val="000000"/>
+                </a:solidFill>
+                <a:miter lim="800000"/>
+                <a:headEnd/>
+                <a:tailEnd/>
+              </a14:hiddenLine>
+            </a:ext>
+          </a:extLst>
+        </p:spPr>
+      </p:pic>
     </p:spTree>
   </p:cSld>
   <p:clrMapOvr>
@@ -8517,7 +8757,7 @@
 </p:sld>
 </file>
 
-<file path=ppt/slides/slide10.xml><?xml version="1.0" encoding="utf-8"?>
+<file path=ppt/slides/slide11.xml><?xml version="1.0" encoding="utf-8"?>
 <p:sld xmlns:a="http://schemas.openxmlformats.org/drawingml/2006/main" xmlns:r="http://schemas.openxmlformats.org/officeDocument/2006/relationships" xmlns:p="http://schemas.openxmlformats.org/presentationml/2006/main">
   <p:cSld>
     <p:spTree>
@@ -9334,7 +9574,7 @@
 </p:sld>
 </file>
 
-<file path=ppt/slides/slide11.xml><?xml version="1.0" encoding="utf-8"?>
+<file path=ppt/slides/slide12.xml><?xml version="1.0" encoding="utf-8"?>
 <p:sld xmlns:a="http://schemas.openxmlformats.org/drawingml/2006/main" xmlns:r="http://schemas.openxmlformats.org/officeDocument/2006/relationships" xmlns:p="http://schemas.openxmlformats.org/presentationml/2006/main">
   <p:cSld>
     <p:spTree>
@@ -9763,7 +10003,7 @@
 </p:sld>
 </file>
 
-<file path=ppt/slides/slide12.xml><?xml version="1.0" encoding="utf-8"?>
+<file path=ppt/slides/slide13.xml><?xml version="1.0" encoding="utf-8"?>
 <p:sld xmlns:a="http://schemas.openxmlformats.org/drawingml/2006/main" xmlns:r="http://schemas.openxmlformats.org/officeDocument/2006/relationships" xmlns:p="http://schemas.openxmlformats.org/presentationml/2006/main">
   <p:cSld>
     <p:spTree>
@@ -10420,7 +10660,7 @@
 </p:sld>
 </file>
 
-<file path=ppt/slides/slide13.xml><?xml version="1.0" encoding="utf-8"?>
+<file path=ppt/slides/slide14.xml><?xml version="1.0" encoding="utf-8"?>
 <p:sld xmlns:a="http://schemas.openxmlformats.org/drawingml/2006/main" xmlns:r="http://schemas.openxmlformats.org/officeDocument/2006/relationships" xmlns:p="http://schemas.openxmlformats.org/presentationml/2006/main">
   <p:cSld>
     <p:spTree>
@@ -10987,7 +11227,7 @@
 </p:sld>
 </file>
 
-<file path=ppt/slides/slide14.xml><?xml version="1.0" encoding="utf-8"?>
+<file path=ppt/slides/slide15.xml><?xml version="1.0" encoding="utf-8"?>
 <p:sld xmlns:a="http://schemas.openxmlformats.org/drawingml/2006/main" xmlns:r="http://schemas.openxmlformats.org/officeDocument/2006/relationships" xmlns:p="http://schemas.openxmlformats.org/presentationml/2006/main">
   <p:cSld>
     <p:spTree>
@@ -11473,7 +11713,7 @@
 </p:sld>
 </file>
 
-<file path=ppt/slides/slide15.xml><?xml version="1.0" encoding="utf-8"?>
+<file path=ppt/slides/slide16.xml><?xml version="1.0" encoding="utf-8"?>
 <p:sld xmlns:a="http://schemas.openxmlformats.org/drawingml/2006/main" xmlns:r="http://schemas.openxmlformats.org/officeDocument/2006/relationships" xmlns:p="http://schemas.openxmlformats.org/presentationml/2006/main">
   <p:cSld>
     <p:spTree>
@@ -11780,7 +12020,7 @@
 </p:sld>
 </file>
 
-<file path=ppt/slides/slide16.xml><?xml version="1.0" encoding="utf-8"?>
+<file path=ppt/slides/slide17.xml><?xml version="1.0" encoding="utf-8"?>
 <p:sld xmlns:a="http://schemas.openxmlformats.org/drawingml/2006/main" xmlns:r="http://schemas.openxmlformats.org/officeDocument/2006/relationships" xmlns:p="http://schemas.openxmlformats.org/presentationml/2006/main">
   <p:cSld>
     <p:spTree>
@@ -11956,7 +12196,7 @@
 </p:sld>
 </file>
 
-<file path=ppt/slides/slide17.xml><?xml version="1.0" encoding="utf-8"?>
+<file path=ppt/slides/slide18.xml><?xml version="1.0" encoding="utf-8"?>
 <p:sld xmlns:a="http://schemas.openxmlformats.org/drawingml/2006/main" xmlns:r="http://schemas.openxmlformats.org/officeDocument/2006/relationships" xmlns:p="http://schemas.openxmlformats.org/presentationml/2006/main">
   <p:cSld>
     <p:spTree>
@@ -12143,142 +12383,64 @@
       </p:grpSpPr>
       <p:sp>
         <p:nvSpPr>
-          <p:cNvPr id="17409" name="Rectangle 2"/>
+          <p:cNvPr id="15361" name="Rectangle 2"/>
           <p:cNvSpPr>
             <a:spLocks noGrp="1" noChangeArrowheads="1"/>
           </p:cNvSpPr>
           <p:nvPr>
-            <p:ph type="title"/>
-          </p:nvPr>
-        </p:nvSpPr>
-        <p:spPr/>
+            <p:ph type="ctrTitle"/>
+          </p:nvPr>
+        </p:nvSpPr>
+        <p:spPr>
+          <a:xfrm>
+            <a:off x="457200" y="2286000"/>
+            <a:ext cx="7772400" cy="1470025"/>
+          </a:xfrm>
+        </p:spPr>
         <p:txBody>
           <a:bodyPr/>
           <a:lstStyle/>
           <a:p>
             <a:pPr eaLnBrk="1" hangingPunct="1"/>
             <a:r>
-              <a:rPr lang="en-US">
+              <a:rPr lang="en-US" sz="4000">
                 <a:latin typeface="Arial" charset="0"/>
                 <a:ea typeface="ＭＳ Ｐゴシック" charset="0"/>
                 <a:cs typeface="ＭＳ Ｐゴシック" charset="0"/>
               </a:rPr>
-              <a:t>Crustacean Senses</a:t>
+              <a:t>Class Crustacea: Senses, Development and more Taxonomy</a:t>
             </a:r>
           </a:p>
         </p:txBody>
       </p:sp>
       <p:sp>
         <p:nvSpPr>
-          <p:cNvPr id="17410" name="Rectangle 3"/>
+          <p:cNvPr id="15362" name="Rectangle 3"/>
           <p:cNvSpPr>
             <a:spLocks noGrp="1" noChangeArrowheads="1"/>
           </p:cNvSpPr>
           <p:nvPr>
-            <p:ph type="body" idx="1"/>
-          </p:nvPr>
-        </p:nvSpPr>
-        <p:spPr/>
+            <p:ph type="subTitle" idx="1"/>
+          </p:nvPr>
+        </p:nvSpPr>
+        <p:spPr>
+          <a:xfrm>
+            <a:off x="1371600" y="5105400"/>
+            <a:ext cx="6400800" cy="1752600"/>
+          </a:xfrm>
+        </p:spPr>
         <p:txBody>
           <a:bodyPr/>
           <a:lstStyle/>
           <a:p>
             <a:pPr eaLnBrk="1" hangingPunct="1"/>
             <a:r>
-              <a:rPr lang="en-US" b="1">
+              <a:rPr lang="en-US">
                 <a:latin typeface="Arial" charset="0"/>
                 <a:ea typeface="ＭＳ Ｐゴシック" charset="0"/>
                 <a:cs typeface="ＭＳ Ｐゴシック" charset="0"/>
               </a:rPr>
-              <a:t>Mechanoreception</a:t>
-            </a:r>
-          </a:p>
-          <a:p>
-            <a:pPr lvl="1" eaLnBrk="1" hangingPunct="1"/>
-            <a:r>
-              <a:rPr lang="en-US">
-                <a:latin typeface="Arial" charset="0"/>
-                <a:ea typeface="ＭＳ Ｐゴシック" charset="0"/>
-              </a:rPr>
-              <a:t>Touch, </a:t>
-            </a:r>
-            <a:r>
-              <a:rPr lang="ja-JP" altLang="en-US">
-                <a:latin typeface="Arial" charset="0"/>
-                <a:ea typeface="ＭＳ Ｐゴシック" charset="0"/>
-              </a:rPr>
-              <a:t>“</a:t>
-            </a:r>
-            <a:r>
-              <a:rPr lang="en-US" altLang="ja-JP">
-                <a:latin typeface="Arial" charset="0"/>
-                <a:ea typeface="ＭＳ Ｐゴシック" charset="0"/>
-              </a:rPr>
-              <a:t>hearing,</a:t>
-            </a:r>
-            <a:r>
-              <a:rPr lang="ja-JP" altLang="en-US">
-                <a:latin typeface="Arial" charset="0"/>
-                <a:ea typeface="ＭＳ Ｐゴシック" charset="0"/>
-              </a:rPr>
-              <a:t>”</a:t>
-            </a:r>
-            <a:r>
-              <a:rPr lang="en-US" altLang="ja-JP">
-                <a:latin typeface="Arial" charset="0"/>
-                <a:ea typeface="ＭＳ Ｐゴシック" charset="0"/>
-              </a:rPr>
-              <a:t> </a:t>
-            </a:r>
-            <a:r>
-              <a:rPr lang="en-US" altLang="ja-JP" b="1">
-                <a:latin typeface="Arial" charset="0"/>
-                <a:ea typeface="ＭＳ Ｐゴシック" charset="0"/>
-              </a:rPr>
-              <a:t>proprioception</a:t>
-            </a:r>
-          </a:p>
-          <a:p>
-            <a:pPr lvl="1" eaLnBrk="1" hangingPunct="1"/>
-            <a:r>
-              <a:rPr lang="en-US" b="1">
-                <a:latin typeface="Arial" charset="0"/>
-                <a:ea typeface="ＭＳ Ｐゴシック" charset="0"/>
-              </a:rPr>
-              <a:t>Proprioception</a:t>
-            </a:r>
-            <a:r>
-              <a:rPr lang="en-US">
-                <a:latin typeface="Arial" charset="0"/>
-                <a:ea typeface="ＭＳ Ｐゴシック" charset="0"/>
-              </a:rPr>
-              <a:t>: different from other senses because it provides internal feedback – i.e. limb position, movement, cuticular stress</a:t>
-            </a:r>
-            <a:endParaRPr lang="en-US" b="1">
-              <a:latin typeface="Arial" charset="0"/>
-              <a:ea typeface="ＭＳ Ｐゴシック" charset="0"/>
-            </a:endParaRPr>
-          </a:p>
-          <a:p>
-            <a:pPr eaLnBrk="1" hangingPunct="1"/>
-            <a:r>
-              <a:rPr lang="en-US" b="1">
-                <a:latin typeface="Arial" charset="0"/>
-                <a:ea typeface="ＭＳ Ｐゴシック" charset="0"/>
-                <a:cs typeface="ＭＳ Ｐゴシック" charset="0"/>
-              </a:rPr>
-              <a:t>Chemoreception</a:t>
-            </a:r>
-          </a:p>
-          <a:p>
-            <a:pPr eaLnBrk="1" hangingPunct="1"/>
-            <a:r>
-              <a:rPr lang="en-US" b="1">
-                <a:latin typeface="Arial" charset="0"/>
-                <a:ea typeface="ＭＳ Ｐゴシック" charset="0"/>
-                <a:cs typeface="ＭＳ Ｐゴシック" charset="0"/>
-              </a:rPr>
-              <a:t>Photoreception</a:t>
+              <a:t>A big day in 310</a:t>
             </a:r>
           </a:p>
         </p:txBody>
@@ -12317,7 +12479,7 @@
       </p:grpSpPr>
       <p:sp>
         <p:nvSpPr>
-          <p:cNvPr id="19457" name="Rectangle 2"/>
+          <p:cNvPr id="17409" name="Rectangle 2"/>
           <p:cNvSpPr>
             <a:spLocks noGrp="1" noChangeArrowheads="1"/>
           </p:cNvSpPr>
@@ -12337,14 +12499,14 @@
                 <a:ea typeface="ＭＳ Ｐゴシック" charset="0"/>
                 <a:cs typeface="ＭＳ Ｐゴシック" charset="0"/>
               </a:rPr>
-              <a:t>Crustacean Sense Organs</a:t>
+              <a:t>Crustacean Senses</a:t>
             </a:r>
           </a:p>
         </p:txBody>
       </p:sp>
       <p:sp>
         <p:nvSpPr>
-          <p:cNvPr id="19458" name="Rectangle 3"/>
+          <p:cNvPr id="17410" name="Rectangle 3"/>
           <p:cNvSpPr>
             <a:spLocks noGrp="1" noChangeArrowheads="1"/>
           </p:cNvSpPr>
@@ -12359,50 +12521,101 @@
           <a:p>
             <a:pPr eaLnBrk="1" hangingPunct="1"/>
             <a:r>
-              <a:rPr lang="en-US">
+              <a:rPr lang="en-US" b="1">
                 <a:latin typeface="Arial" charset="0"/>
                 <a:ea typeface="ＭＳ Ｐゴシック" charset="0"/>
                 <a:cs typeface="ＭＳ Ｐゴシック" charset="0"/>
               </a:rPr>
-              <a:t>Eyes (photoreception)</a:t>
-            </a:r>
-          </a:p>
-          <a:p>
-            <a:pPr eaLnBrk="1" hangingPunct="1"/>
+              <a:t>Mechanoreception</a:t>
+            </a:r>
+          </a:p>
+          <a:p>
+            <a:pPr lvl="1" eaLnBrk="1" hangingPunct="1"/>
             <a:r>
               <a:rPr lang="en-US">
                 <a:latin typeface="Arial" charset="0"/>
                 <a:ea typeface="ＭＳ Ｐゴシック" charset="0"/>
-                <a:cs typeface="ＭＳ Ｐゴシック" charset="0"/>
               </a:rPr>
-              <a:t>Sensory Setae (Mechanoreception and Chemoreception)</a:t>
-            </a:r>
-          </a:p>
-          <a:p>
-            <a:pPr eaLnBrk="1" hangingPunct="1"/>
+              <a:t>Touch, </a:t>
+            </a:r>
+            <a:r>
+              <a:rPr lang="ja-JP" altLang="en-US">
+                <a:latin typeface="Arial" charset="0"/>
+                <a:ea typeface="ＭＳ Ｐゴシック" charset="0"/>
+              </a:rPr>
+              <a:t>“</a:t>
+            </a:r>
+            <a:r>
+              <a:rPr lang="en-US" altLang="ja-JP">
+                <a:latin typeface="Arial" charset="0"/>
+                <a:ea typeface="ＭＳ Ｐゴシック" charset="0"/>
+              </a:rPr>
+              <a:t>hearing,</a:t>
+            </a:r>
+            <a:r>
+              <a:rPr lang="ja-JP" altLang="en-US">
+                <a:latin typeface="Arial" charset="0"/>
+                <a:ea typeface="ＭＳ Ｐゴシック" charset="0"/>
+              </a:rPr>
+              <a:t>”</a:t>
+            </a:r>
+            <a:r>
+              <a:rPr lang="en-US" altLang="ja-JP">
+                <a:latin typeface="Arial" charset="0"/>
+                <a:ea typeface="ＭＳ Ｐゴシック" charset="0"/>
+              </a:rPr>
+              <a:t> </a:t>
+            </a:r>
+            <a:r>
+              <a:rPr lang="en-US" altLang="ja-JP" b="1">
+                <a:latin typeface="Arial" charset="0"/>
+                <a:ea typeface="ＭＳ Ｐゴシック" charset="0"/>
+              </a:rPr>
+              <a:t>proprioception</a:t>
+            </a:r>
+          </a:p>
+          <a:p>
+            <a:pPr lvl="1" eaLnBrk="1" hangingPunct="1"/>
+            <a:r>
+              <a:rPr lang="en-US" b="1">
+                <a:latin typeface="Arial" charset="0"/>
+                <a:ea typeface="ＭＳ Ｐゴシック" charset="0"/>
+              </a:rPr>
+              <a:t>Proprioception</a:t>
+            </a:r>
             <a:r>
               <a:rPr lang="en-US">
                 <a:latin typeface="Arial" charset="0"/>
                 <a:ea typeface="ＭＳ Ｐゴシック" charset="0"/>
-                <a:cs typeface="ＭＳ Ｐゴシック" charset="0"/>
               </a:rPr>
-              <a:t>Statocysts (balance) </a:t>
-            </a:r>
-          </a:p>
-          <a:p>
-            <a:pPr eaLnBrk="1" hangingPunct="1"/>
-            <a:endParaRPr lang="en-US">
-              <a:latin typeface="Arial" charset="0"/>
-              <a:ea typeface="ＭＳ Ｐゴシック" charset="0"/>
-              <a:cs typeface="ＭＳ Ｐゴシック" charset="0"/>
-            </a:endParaRPr>
-          </a:p>
-          <a:p>
-            <a:pPr lvl="1" eaLnBrk="1" hangingPunct="1"/>
-            <a:endParaRPr lang="en-US">
+              <a:t>: different from other senses because it provides internal feedback – i.e. limb position, movement, cuticular stress</a:t>
+            </a:r>
+            <a:endParaRPr lang="en-US" b="1">
               <a:latin typeface="Arial" charset="0"/>
               <a:ea typeface="ＭＳ Ｐゴシック" charset="0"/>
             </a:endParaRPr>
+          </a:p>
+          <a:p>
+            <a:pPr eaLnBrk="1" hangingPunct="1"/>
+            <a:r>
+              <a:rPr lang="en-US" b="1">
+                <a:latin typeface="Arial" charset="0"/>
+                <a:ea typeface="ＭＳ Ｐゴシック" charset="0"/>
+                <a:cs typeface="ＭＳ Ｐゴシック" charset="0"/>
+              </a:rPr>
+              <a:t>Chemoreception</a:t>
+            </a:r>
+          </a:p>
+          <a:p>
+            <a:pPr eaLnBrk="1" hangingPunct="1"/>
+            <a:r>
+              <a:rPr lang="en-US" b="1">
+                <a:latin typeface="Arial" charset="0"/>
+                <a:ea typeface="ＭＳ Ｐゴシック" charset="0"/>
+                <a:cs typeface="ＭＳ Ｐゴシック" charset="0"/>
+              </a:rPr>
+              <a:t>Photoreception</a:t>
+            </a:r>
           </a:p>
         </p:txBody>
       </p:sp>
@@ -12440,7 +12653,7 @@
       </p:grpSpPr>
       <p:sp>
         <p:nvSpPr>
-          <p:cNvPr id="21505" name="Rectangle 2"/>
+          <p:cNvPr id="19457" name="Rectangle 2"/>
           <p:cNvSpPr>
             <a:spLocks noGrp="1" noChangeArrowheads="1"/>
           </p:cNvSpPr>
@@ -12460,14 +12673,14 @@
                 <a:ea typeface="ＭＳ Ｐゴシック" charset="0"/>
                 <a:cs typeface="ＭＳ Ｐゴシック" charset="0"/>
               </a:rPr>
-              <a:t>Crustacean Eyes</a:t>
+              <a:t>Crustacean Sense Organs</a:t>
             </a:r>
           </a:p>
         </p:txBody>
       </p:sp>
       <p:sp>
         <p:nvSpPr>
-          <p:cNvPr id="21506" name="Rectangle 3"/>
+          <p:cNvPr id="19458" name="Rectangle 3"/>
           <p:cNvSpPr>
             <a:spLocks noGrp="1" noChangeArrowheads="1"/>
           </p:cNvSpPr>
@@ -12482,93 +12695,50 @@
           <a:p>
             <a:pPr eaLnBrk="1" hangingPunct="1"/>
             <a:r>
-              <a:rPr lang="en-US" sz="2800">
+              <a:rPr lang="en-US">
                 <a:latin typeface="Arial" charset="0"/>
                 <a:ea typeface="ＭＳ Ｐゴシック" charset="0"/>
                 <a:cs typeface="ＭＳ Ｐゴシック" charset="0"/>
               </a:rPr>
-              <a:t>Most have two compound eyes</a:t>
+              <a:t>Eyes (photoreception)</a:t>
             </a:r>
           </a:p>
           <a:p>
             <a:pPr eaLnBrk="1" hangingPunct="1"/>
             <a:r>
-              <a:rPr lang="en-US" sz="2800" b="1">
+              <a:rPr lang="en-US">
                 <a:latin typeface="Arial" charset="0"/>
                 <a:ea typeface="ＭＳ Ｐゴシック" charset="0"/>
                 <a:cs typeface="ＭＳ Ｐゴシック" charset="0"/>
               </a:rPr>
-              <a:t>Compound eye</a:t>
-            </a:r>
+              <a:t>Sensory Setae (Mechanoreception and Chemoreception)</a:t>
+            </a:r>
+          </a:p>
+          <a:p>
+            <a:pPr eaLnBrk="1" hangingPunct="1"/>
+            <a:r>
+              <a:rPr lang="en-US">
+                <a:latin typeface="Arial" charset="0"/>
+                <a:ea typeface="ＭＳ Ｐゴシック" charset="0"/>
+                <a:cs typeface="ＭＳ Ｐゴシック" charset="0"/>
+              </a:rPr>
+              <a:t>Statocysts (balance) </a:t>
+            </a:r>
+          </a:p>
+          <a:p>
+            <a:pPr eaLnBrk="1" hangingPunct="1"/>
+            <a:endParaRPr lang="en-US">
+              <a:latin typeface="Arial" charset="0"/>
+              <a:ea typeface="ＭＳ Ｐゴシック" charset="0"/>
+              <a:cs typeface="ＭＳ Ｐゴシック" charset="0"/>
+            </a:endParaRPr>
           </a:p>
           <a:p>
             <a:pPr lvl="1" eaLnBrk="1" hangingPunct="1"/>
-            <a:r>
-              <a:rPr lang="en-US" sz="2400">
-                <a:latin typeface="Arial" charset="0"/>
-                <a:ea typeface="ＭＳ Ｐゴシック" charset="0"/>
-              </a:rPr>
-              <a:t>Independent photoreception unit containing cornea, lens, and cells to distinguish brightness and color</a:t>
-            </a:r>
-          </a:p>
-          <a:p>
-            <a:pPr lvl="1" eaLnBrk="1" hangingPunct="1"/>
-            <a:r>
-              <a:rPr lang="en-US" sz="2400" b="1">
-                <a:latin typeface="Arial" charset="0"/>
-                <a:ea typeface="ＭＳ Ｐゴシック" charset="0"/>
-              </a:rPr>
-              <a:t>Ommatidia: </a:t>
-            </a:r>
-            <a:r>
-              <a:rPr lang="en-US" sz="2400">
-                <a:latin typeface="Arial" charset="0"/>
-                <a:ea typeface="ＭＳ Ｐゴシック" charset="0"/>
-              </a:rPr>
-              <a:t>single visual unit of compound eye</a:t>
-            </a:r>
-          </a:p>
-          <a:p>
-            <a:pPr lvl="1" eaLnBrk="1" hangingPunct="1">
-              <a:lnSpc>
-                <a:spcPct val="50000"/>
-              </a:lnSpc>
-            </a:pPr>
-            <a:endParaRPr lang="en-US" sz="2400">
+            <a:endParaRPr lang="en-US">
               <a:latin typeface="Arial" charset="0"/>
               <a:ea typeface="ＭＳ Ｐゴシック" charset="0"/>
             </a:endParaRPr>
-          </a:p>
-          <a:p>
-            <a:pPr eaLnBrk="1" hangingPunct="1"/>
-            <a:r>
-              <a:rPr lang="en-US" sz="2800" b="1">
-                <a:latin typeface="Arial" charset="0"/>
-                <a:ea typeface="ＭＳ Ｐゴシック" charset="0"/>
-                <a:cs typeface="ＭＳ Ｐゴシック" charset="0"/>
-              </a:rPr>
-              <a:t>Naupliar Eye</a:t>
-            </a:r>
-          </a:p>
-          <a:p>
-            <a:pPr lvl="1" eaLnBrk="1" hangingPunct="1"/>
-            <a:r>
-              <a:rPr lang="en-US" sz="2400">
-                <a:latin typeface="Arial" charset="0"/>
-                <a:ea typeface="ＭＳ Ｐゴシック" charset="0"/>
-              </a:rPr>
-              <a:t>Does not form images</a:t>
-            </a:r>
-          </a:p>
-          <a:p>
-            <a:pPr lvl="1" eaLnBrk="1" hangingPunct="1"/>
-            <a:r>
-              <a:rPr lang="en-US" sz="2400">
-                <a:latin typeface="Arial" charset="0"/>
-                <a:ea typeface="ＭＳ Ｐゴシック" charset="0"/>
-              </a:rPr>
-              <a:t>Determines direction of light source</a:t>
-            </a:r>
           </a:p>
         </p:txBody>
       </p:sp>
@@ -12588,6 +12758,172 @@
 </file>
 
 <file path=ppt/slides/slide5.xml><?xml version="1.0" encoding="utf-8"?>
+<p:sld xmlns:a="http://schemas.openxmlformats.org/drawingml/2006/main" xmlns:r="http://schemas.openxmlformats.org/officeDocument/2006/relationships" xmlns:p="http://schemas.openxmlformats.org/presentationml/2006/main">
+  <p:cSld>
+    <p:spTree>
+      <p:nvGrpSpPr>
+        <p:cNvPr id="1" name=""/>
+        <p:cNvGrpSpPr/>
+        <p:nvPr/>
+      </p:nvGrpSpPr>
+      <p:grpSpPr>
+        <a:xfrm>
+          <a:off x="0" y="0"/>
+          <a:ext cx="0" cy="0"/>
+          <a:chOff x="0" y="0"/>
+          <a:chExt cx="0" cy="0"/>
+        </a:xfrm>
+      </p:grpSpPr>
+      <p:sp>
+        <p:nvSpPr>
+          <p:cNvPr id="21505" name="Rectangle 2"/>
+          <p:cNvSpPr>
+            <a:spLocks noGrp="1" noChangeArrowheads="1"/>
+          </p:cNvSpPr>
+          <p:nvPr>
+            <p:ph type="title"/>
+          </p:nvPr>
+        </p:nvSpPr>
+        <p:spPr/>
+        <p:txBody>
+          <a:bodyPr/>
+          <a:lstStyle/>
+          <a:p>
+            <a:pPr eaLnBrk="1" hangingPunct="1"/>
+            <a:r>
+              <a:rPr lang="en-US">
+                <a:latin typeface="Arial" charset="0"/>
+                <a:ea typeface="ＭＳ Ｐゴシック" charset="0"/>
+                <a:cs typeface="ＭＳ Ｐゴシック" charset="0"/>
+              </a:rPr>
+              <a:t>Crustacean Eyes</a:t>
+            </a:r>
+          </a:p>
+        </p:txBody>
+      </p:sp>
+      <p:sp>
+        <p:nvSpPr>
+          <p:cNvPr id="21506" name="Rectangle 3"/>
+          <p:cNvSpPr>
+            <a:spLocks noGrp="1" noChangeArrowheads="1"/>
+          </p:cNvSpPr>
+          <p:nvPr>
+            <p:ph type="body" idx="1"/>
+          </p:nvPr>
+        </p:nvSpPr>
+        <p:spPr/>
+        <p:txBody>
+          <a:bodyPr/>
+          <a:lstStyle/>
+          <a:p>
+            <a:pPr eaLnBrk="1" hangingPunct="1"/>
+            <a:r>
+              <a:rPr lang="en-US" sz="2800">
+                <a:latin typeface="Arial" charset="0"/>
+                <a:ea typeface="ＭＳ Ｐゴシック" charset="0"/>
+                <a:cs typeface="ＭＳ Ｐゴシック" charset="0"/>
+              </a:rPr>
+              <a:t>Most have two compound eyes</a:t>
+            </a:r>
+          </a:p>
+          <a:p>
+            <a:pPr eaLnBrk="1" hangingPunct="1"/>
+            <a:r>
+              <a:rPr lang="en-US" sz="2800" b="1">
+                <a:latin typeface="Arial" charset="0"/>
+                <a:ea typeface="ＭＳ Ｐゴシック" charset="0"/>
+                <a:cs typeface="ＭＳ Ｐゴシック" charset="0"/>
+              </a:rPr>
+              <a:t>Compound eye</a:t>
+            </a:r>
+          </a:p>
+          <a:p>
+            <a:pPr lvl="1" eaLnBrk="1" hangingPunct="1"/>
+            <a:r>
+              <a:rPr lang="en-US" sz="2400">
+                <a:latin typeface="Arial" charset="0"/>
+                <a:ea typeface="ＭＳ Ｐゴシック" charset="0"/>
+              </a:rPr>
+              <a:t>Independent photoreception unit containing cornea, lens, and cells to distinguish brightness and color</a:t>
+            </a:r>
+          </a:p>
+          <a:p>
+            <a:pPr lvl="1" eaLnBrk="1" hangingPunct="1"/>
+            <a:r>
+              <a:rPr lang="en-US" sz="2400" b="1">
+                <a:latin typeface="Arial" charset="0"/>
+                <a:ea typeface="ＭＳ Ｐゴシック" charset="0"/>
+              </a:rPr>
+              <a:t>Ommatidia: </a:t>
+            </a:r>
+            <a:r>
+              <a:rPr lang="en-US" sz="2400">
+                <a:latin typeface="Arial" charset="0"/>
+                <a:ea typeface="ＭＳ Ｐゴシック" charset="0"/>
+              </a:rPr>
+              <a:t>single visual unit of compound eye</a:t>
+            </a:r>
+          </a:p>
+          <a:p>
+            <a:pPr lvl="1" eaLnBrk="1" hangingPunct="1">
+              <a:lnSpc>
+                <a:spcPct val="50000"/>
+              </a:lnSpc>
+            </a:pPr>
+            <a:endParaRPr lang="en-US" sz="2400">
+              <a:latin typeface="Arial" charset="0"/>
+              <a:ea typeface="ＭＳ Ｐゴシック" charset="0"/>
+            </a:endParaRPr>
+          </a:p>
+          <a:p>
+            <a:pPr eaLnBrk="1" hangingPunct="1"/>
+            <a:r>
+              <a:rPr lang="en-US" sz="2800" b="1">
+                <a:latin typeface="Arial" charset="0"/>
+                <a:ea typeface="ＭＳ Ｐゴシック" charset="0"/>
+                <a:cs typeface="ＭＳ Ｐゴシック" charset="0"/>
+              </a:rPr>
+              <a:t>Naupliar Eye</a:t>
+            </a:r>
+          </a:p>
+          <a:p>
+            <a:pPr lvl="1" eaLnBrk="1" hangingPunct="1"/>
+            <a:r>
+              <a:rPr lang="en-US" sz="2400">
+                <a:latin typeface="Arial" charset="0"/>
+                <a:ea typeface="ＭＳ Ｐゴシック" charset="0"/>
+              </a:rPr>
+              <a:t>Does not form images</a:t>
+            </a:r>
+          </a:p>
+          <a:p>
+            <a:pPr lvl="1" eaLnBrk="1" hangingPunct="1"/>
+            <a:r>
+              <a:rPr lang="en-US" sz="2400">
+                <a:latin typeface="Arial" charset="0"/>
+                <a:ea typeface="ＭＳ Ｐゴシック" charset="0"/>
+              </a:rPr>
+              <a:t>Determines direction of light source</a:t>
+            </a:r>
+          </a:p>
+        </p:txBody>
+      </p:sp>
+    </p:spTree>
+  </p:cSld>
+  <p:clrMapOvr>
+    <a:masterClrMapping/>
+  </p:clrMapOvr>
+  <p:timing>
+    <p:tnLst>
+      <p:par>
+        <p:cTn id="1" dur="indefinite" restart="never" nodeType="tmRoot"/>
+      </p:par>
+    </p:tnLst>
+  </p:timing>
+</p:sld>
+</file>
+
+<file path=ppt/slides/slide6.xml><?xml version="1.0" encoding="utf-8"?>
 <p:sld xmlns:a="http://schemas.openxmlformats.org/drawingml/2006/main" xmlns:r="http://schemas.openxmlformats.org/officeDocument/2006/relationships" xmlns:p="http://schemas.openxmlformats.org/presentationml/2006/main">
   <p:cSld>
     <p:spTree>
@@ -12828,7 +13164,7 @@
 </p:sld>
 </file>
 
-<file path=ppt/slides/slide6.xml><?xml version="1.0" encoding="utf-8"?>
+<file path=ppt/slides/slide7.xml><?xml version="1.0" encoding="utf-8"?>
 <p:sld xmlns:a="http://schemas.openxmlformats.org/drawingml/2006/main" xmlns:r="http://schemas.openxmlformats.org/officeDocument/2006/relationships" xmlns:p="http://schemas.openxmlformats.org/presentationml/2006/main">
   <p:cSld>
     <p:spTree>
@@ -12995,142 +13331,6 @@
 </p:sld>
 </file>
 
-<file path=ppt/slides/slide7.xml><?xml version="1.0" encoding="utf-8"?>
-<p:sld xmlns:a="http://schemas.openxmlformats.org/drawingml/2006/main" xmlns:r="http://schemas.openxmlformats.org/officeDocument/2006/relationships" xmlns:p="http://schemas.openxmlformats.org/presentationml/2006/main">
-  <p:cSld>
-    <p:spTree>
-      <p:nvGrpSpPr>
-        <p:cNvPr id="1" name=""/>
-        <p:cNvGrpSpPr/>
-        <p:nvPr/>
-      </p:nvGrpSpPr>
-      <p:grpSpPr>
-        <a:xfrm>
-          <a:off x="0" y="0"/>
-          <a:ext cx="0" cy="0"/>
-          <a:chOff x="0" y="0"/>
-          <a:chExt cx="0" cy="0"/>
-        </a:xfrm>
-      </p:grpSpPr>
-      <p:sp>
-        <p:nvSpPr>
-          <p:cNvPr id="27649" name="Rectangle 2"/>
-          <p:cNvSpPr>
-            <a:spLocks noGrp="1" noChangeArrowheads="1"/>
-          </p:cNvSpPr>
-          <p:nvPr>
-            <p:ph type="title"/>
-          </p:nvPr>
-        </p:nvSpPr>
-        <p:spPr/>
-        <p:txBody>
-          <a:bodyPr/>
-          <a:lstStyle/>
-          <a:p>
-            <a:pPr eaLnBrk="1" hangingPunct="1"/>
-            <a:r>
-              <a:rPr lang="en-US">
-                <a:latin typeface="Arial" charset="0"/>
-                <a:ea typeface="ＭＳ Ｐゴシック" charset="0"/>
-                <a:cs typeface="ＭＳ Ｐゴシック" charset="0"/>
-              </a:rPr>
-              <a:t>Setae</a:t>
-            </a:r>
-          </a:p>
-        </p:txBody>
-      </p:sp>
-      <p:sp>
-        <p:nvSpPr>
-          <p:cNvPr id="27650" name="Rectangle 3"/>
-          <p:cNvSpPr>
-            <a:spLocks noGrp="1" noChangeArrowheads="1"/>
-          </p:cNvSpPr>
-          <p:nvPr>
-            <p:ph type="body" idx="1"/>
-          </p:nvPr>
-        </p:nvSpPr>
-        <p:spPr/>
-        <p:txBody>
-          <a:bodyPr/>
-          <a:lstStyle/>
-          <a:p>
-            <a:pPr eaLnBrk="1" hangingPunct="1"/>
-            <a:r>
-              <a:rPr lang="en-US">
-                <a:latin typeface="Arial" charset="0"/>
-                <a:ea typeface="ＭＳ Ｐゴシック" charset="0"/>
-                <a:cs typeface="ＭＳ Ｐゴシック" charset="0"/>
-              </a:rPr>
-              <a:t>Hair like structures used for mechano and chemo reception (and other)</a:t>
-            </a:r>
-          </a:p>
-          <a:p>
-            <a:pPr eaLnBrk="1" hangingPunct="1"/>
-            <a:r>
-              <a:rPr lang="en-US">
-                <a:latin typeface="Arial" charset="0"/>
-                <a:ea typeface="ＭＳ Ｐゴシック" charset="0"/>
-                <a:cs typeface="ＭＳ Ｐゴシック" charset="0"/>
-              </a:rPr>
-              <a:t>Extend through exoskeleton—linked to the nervous system</a:t>
-            </a:r>
-          </a:p>
-          <a:p>
-            <a:pPr eaLnBrk="1" hangingPunct="1"/>
-            <a:r>
-              <a:rPr lang="en-US" b="1">
-                <a:latin typeface="Arial" charset="0"/>
-                <a:ea typeface="ＭＳ Ｐゴシック" charset="0"/>
-                <a:cs typeface="ＭＳ Ｐゴシック" charset="0"/>
-              </a:rPr>
-              <a:t>Aesthetascs:</a:t>
-            </a:r>
-            <a:r>
-              <a:rPr lang="en-US">
-                <a:latin typeface="Arial" charset="0"/>
-                <a:ea typeface="ＭＳ Ｐゴシック" charset="0"/>
-                <a:cs typeface="ＭＳ Ｐゴシック" charset="0"/>
-              </a:rPr>
-              <a:t> </a:t>
-            </a:r>
-          </a:p>
-          <a:p>
-            <a:pPr lvl="1" eaLnBrk="1" hangingPunct="1"/>
-            <a:r>
-              <a:rPr lang="en-US">
-                <a:latin typeface="Arial" charset="0"/>
-                <a:ea typeface="ＭＳ Ｐゴシック" charset="0"/>
-              </a:rPr>
-              <a:t>Patches of sensory setae usually found on first antennae</a:t>
-            </a:r>
-          </a:p>
-          <a:p>
-            <a:pPr lvl="1" eaLnBrk="1" hangingPunct="1"/>
-            <a:r>
-              <a:rPr lang="en-US">
-                <a:latin typeface="Arial" charset="0"/>
-                <a:ea typeface="ＭＳ Ｐゴシック" charset="0"/>
-              </a:rPr>
-              <a:t>Important for locating food and mates</a:t>
-            </a:r>
-          </a:p>
-        </p:txBody>
-      </p:sp>
-    </p:spTree>
-  </p:cSld>
-  <p:clrMapOvr>
-    <a:masterClrMapping/>
-  </p:clrMapOvr>
-  <p:timing>
-    <p:tnLst>
-      <p:par>
-        <p:cTn id="1" dur="indefinite" restart="never" nodeType="tmRoot"/>
-      </p:par>
-    </p:tnLst>
-  </p:timing>
-</p:sld>
-</file>
-
 <file path=ppt/slides/slide8.xml><?xml version="1.0" encoding="utf-8"?>
 <p:sld xmlns:a="http://schemas.openxmlformats.org/drawingml/2006/main" xmlns:r="http://schemas.openxmlformats.org/officeDocument/2006/relationships" xmlns:p="http://schemas.openxmlformats.org/presentationml/2006/main">
   <p:cSld>
@@ -13150,12 +13350,12 @@
       </p:grpSpPr>
       <p:sp>
         <p:nvSpPr>
-          <p:cNvPr id="29697" name="Rectangle 2"/>
+          <p:cNvPr id="27649" name="Rectangle 2"/>
           <p:cNvSpPr>
             <a:spLocks noGrp="1" noChangeArrowheads="1"/>
           </p:cNvSpPr>
           <p:nvPr>
-            <p:ph type="body" idx="1"/>
+            <p:ph type="title"/>
           </p:nvPr>
         </p:nvSpPr>
         <p:spPr/>
@@ -13165,88 +13365,24 @@
           <a:p>
             <a:pPr eaLnBrk="1" hangingPunct="1"/>
             <a:r>
-              <a:rPr lang="en-US" dirty="0">
+              <a:rPr lang="en-US">
                 <a:latin typeface="Arial" charset="0"/>
                 <a:ea typeface="ＭＳ Ｐゴシック" charset="0"/>
                 <a:cs typeface="ＭＳ Ｐゴシック" charset="0"/>
               </a:rPr>
-              <a:t>We</a:t>
-            </a:r>
-            <a:r>
-              <a:rPr lang="ja-JP" altLang="en-US" dirty="0">
-                <a:latin typeface="Arial" charset="0"/>
-                <a:ea typeface="ＭＳ Ｐゴシック" charset="0"/>
-                <a:cs typeface="ＭＳ Ｐゴシック" charset="0"/>
-              </a:rPr>
-              <a:t>’</a:t>
-            </a:r>
-            <a:r>
-              <a:rPr lang="en-US" altLang="ja-JP" dirty="0" err="1">
-                <a:latin typeface="Arial" charset="0"/>
-                <a:ea typeface="ＭＳ Ｐゴシック" charset="0"/>
-                <a:cs typeface="ＭＳ Ｐゴシック" charset="0"/>
-              </a:rPr>
-              <a:t>ll</a:t>
-            </a:r>
-            <a:r>
-              <a:rPr lang="en-US" altLang="ja-JP" dirty="0">
-                <a:latin typeface="Arial" charset="0"/>
-                <a:ea typeface="ＭＳ Ｐゴシック" charset="0"/>
-                <a:cs typeface="ＭＳ Ｐゴシック" charset="0"/>
-              </a:rPr>
-              <a:t> examine chemoreception by counting antennal flicks before and after adding a food smell to the water</a:t>
-            </a:r>
-          </a:p>
-          <a:p>
-            <a:pPr eaLnBrk="1" hangingPunct="1"/>
-            <a:r>
-              <a:rPr lang="en-US" dirty="0" smtClean="0">
-                <a:latin typeface="Arial" charset="0"/>
-                <a:ea typeface="ＭＳ Ｐゴシック" charset="0"/>
-                <a:cs typeface="ＭＳ Ｐゴシック" charset="0"/>
-              </a:rPr>
-              <a:t>We</a:t>
-            </a:r>
-            <a:r>
-              <a:rPr lang="ja-JP" altLang="en-US" dirty="0">
-                <a:latin typeface="Arial" charset="0"/>
-                <a:ea typeface="ＭＳ Ｐゴシック" charset="0"/>
-                <a:cs typeface="ＭＳ Ｐゴシック" charset="0"/>
-              </a:rPr>
-              <a:t>’</a:t>
-            </a:r>
-            <a:r>
-              <a:rPr lang="en-US" altLang="ja-JP" dirty="0" err="1">
-                <a:latin typeface="Arial" charset="0"/>
-                <a:ea typeface="ＭＳ Ｐゴシック" charset="0"/>
-                <a:cs typeface="ＭＳ Ｐゴシック" charset="0"/>
-              </a:rPr>
-              <a:t>ll</a:t>
-            </a:r>
-            <a:r>
-              <a:rPr lang="en-US" altLang="ja-JP" dirty="0">
-                <a:latin typeface="Arial" charset="0"/>
-                <a:ea typeface="ＭＳ Ｐゴシック" charset="0"/>
-                <a:cs typeface="ＭＳ Ｐゴシック" charset="0"/>
-              </a:rPr>
-              <a:t> look at crustacean eyes </a:t>
-            </a:r>
-            <a:endParaRPr lang="en-US" dirty="0">
-              <a:latin typeface="Arial" charset="0"/>
-              <a:ea typeface="ＭＳ Ｐゴシック" charset="0"/>
-              <a:cs typeface="ＭＳ Ｐゴシック" charset="0"/>
-            </a:endParaRPr>
+              <a:t>Setae</a:t>
+            </a:r>
           </a:p>
         </p:txBody>
       </p:sp>
       <p:sp>
         <p:nvSpPr>
-          <p:cNvPr id="29698" name="Rectangle 3"/>
+          <p:cNvPr id="27650" name="Rectangle 3"/>
           <p:cNvSpPr>
             <a:spLocks noGrp="1" noChangeArrowheads="1"/>
           </p:cNvSpPr>
           <p:nvPr>
-            <p:ph type="title"/>
+            <p:ph type="body" idx="1"/>
           </p:nvPr>
         </p:nvSpPr>
         <p:spPr/>
@@ -13261,7 +13397,57 @@
                 <a:ea typeface="ＭＳ Ｐゴシック" charset="0"/>
                 <a:cs typeface="ＭＳ Ｐゴシック" charset="0"/>
               </a:rPr>
-              <a:t>Senses: in lab</a:t>
+              <a:t>Hair like structures used for mechano and chemo reception (and other)</a:t>
+            </a:r>
+          </a:p>
+          <a:p>
+            <a:pPr eaLnBrk="1" hangingPunct="1"/>
+            <a:r>
+              <a:rPr lang="en-US">
+                <a:latin typeface="Arial" charset="0"/>
+                <a:ea typeface="ＭＳ Ｐゴシック" charset="0"/>
+                <a:cs typeface="ＭＳ Ｐゴシック" charset="0"/>
+              </a:rPr>
+              <a:t>Extend through exoskeleton—linked to the nervous system</a:t>
+            </a:r>
+          </a:p>
+          <a:p>
+            <a:pPr eaLnBrk="1" hangingPunct="1"/>
+            <a:r>
+              <a:rPr lang="en-US" b="1">
+                <a:latin typeface="Arial" charset="0"/>
+                <a:ea typeface="ＭＳ Ｐゴシック" charset="0"/>
+                <a:cs typeface="ＭＳ Ｐゴシック" charset="0"/>
+              </a:rPr>
+              <a:t>Aesthetascs:</a:t>
+            </a:r>
+            <a:r>
+              <a:rPr lang="en-US">
+                <a:latin typeface="Arial" charset="0"/>
+                <a:ea typeface="ＭＳ Ｐゴシック" charset="0"/>
+                <a:cs typeface="ＭＳ Ｐゴシック" charset="0"/>
+              </a:rPr>
+              <a:t> </a:t>
+            </a:r>
+          </a:p>
+          <a:p>
+            <a:pPr lvl="1" eaLnBrk="1" hangingPunct="1"/>
+            <a:r>
+              <a:rPr lang="en-US">
+                <a:latin typeface="Arial" charset="0"/>
+                <a:ea typeface="ＭＳ Ｐゴシック" charset="0"/>
+              </a:rPr>
+              <a:t>Patches of sensory setae usually found on first antennae</a:t>
+            </a:r>
+          </a:p>
+          <a:p>
+            <a:pPr lvl="1" eaLnBrk="1" hangingPunct="1"/>
+            <a:r>
+              <a:rPr lang="en-US">
+                <a:latin typeface="Arial" charset="0"/>
+                <a:ea typeface="ＭＳ Ｐゴシック" charset="0"/>
+              </a:rPr>
+              <a:t>Important for locating food and mates</a:t>
             </a:r>
           </a:p>
         </p:txBody>
@@ -13300,7 +13486,7 @@
       </p:grpSpPr>
       <p:sp>
         <p:nvSpPr>
-          <p:cNvPr id="31745" name="Rectangle 3"/>
+          <p:cNvPr id="29697" name="Rectangle 2"/>
           <p:cNvSpPr>
             <a:spLocks noGrp="1" noChangeArrowheads="1"/>
           </p:cNvSpPr>
@@ -13308,172 +13494,114 @@
             <p:ph type="body" idx="1"/>
           </p:nvPr>
         </p:nvSpPr>
-        <p:spPr>
-          <a:xfrm>
-            <a:off x="457200" y="1295400"/>
-            <a:ext cx="8229600" cy="4525963"/>
-          </a:xfrm>
-        </p:spPr>
+        <p:spPr/>
         <p:txBody>
           <a:bodyPr/>
           <a:lstStyle/>
           <a:p>
-            <a:pPr eaLnBrk="1" hangingPunct="1">
-              <a:lnSpc>
-                <a:spcPct val="90000"/>
-              </a:lnSpc>
-            </a:pPr>
-            <a:r>
-              <a:rPr lang="en-US">
+            <a:pPr eaLnBrk="1" hangingPunct="1"/>
+            <a:r>
+              <a:rPr lang="en-US" dirty="0">
                 <a:latin typeface="Arial" charset="0"/>
                 <a:ea typeface="ＭＳ Ｐゴシック" charset="0"/>
                 <a:cs typeface="ＭＳ Ｐゴシック" charset="0"/>
               </a:rPr>
-              <a:t>Very complicated</a:t>
-            </a:r>
-          </a:p>
-          <a:p>
-            <a:pPr eaLnBrk="1" hangingPunct="1">
-              <a:lnSpc>
-                <a:spcPct val="90000"/>
-              </a:lnSpc>
-            </a:pPr>
-            <a:r>
-              <a:rPr lang="en-US">
+              <a:t>We</a:t>
+            </a:r>
+            <a:r>
+              <a:rPr lang="ja-JP" altLang="en-US" dirty="0">
                 <a:latin typeface="Arial" charset="0"/>
                 <a:ea typeface="ＭＳ Ｐゴシック" charset="0"/>
                 <a:cs typeface="ＭＳ Ｐゴシック" charset="0"/>
               </a:rPr>
-              <a:t>Number and type of larval stages varies considerably </a:t>
-            </a:r>
-          </a:p>
-          <a:p>
-            <a:pPr eaLnBrk="1" hangingPunct="1">
-              <a:lnSpc>
-                <a:spcPct val="90000"/>
-              </a:lnSpc>
-            </a:pPr>
-            <a:r>
-              <a:rPr lang="en-US">
+              <a:t>’</a:t>
+            </a:r>
+            <a:r>
+              <a:rPr lang="en-US" altLang="ja-JP" dirty="0" err="1">
                 <a:latin typeface="Arial" charset="0"/>
                 <a:ea typeface="ＭＳ Ｐゴシック" charset="0"/>
                 <a:cs typeface="ＭＳ Ｐゴシック" charset="0"/>
               </a:rPr>
-              <a:t>Crustacean larvae may look nothing like their parents</a:t>
-            </a:r>
+              <a:t>ll</a:t>
+            </a:r>
+            <a:r>
+              <a:rPr lang="en-US" altLang="ja-JP" dirty="0">
+                <a:latin typeface="Arial" charset="0"/>
+                <a:ea typeface="ＭＳ Ｐゴシック" charset="0"/>
+                <a:cs typeface="ＭＳ Ｐゴシック" charset="0"/>
+              </a:rPr>
+              <a:t> examine chemoreception by counting antennal flicks before and after adding a food smell to the water</a:t>
+            </a:r>
+          </a:p>
+          <a:p>
+            <a:pPr eaLnBrk="1" hangingPunct="1"/>
+            <a:r>
+              <a:rPr lang="en-US" dirty="0" smtClean="0">
+                <a:latin typeface="Arial" charset="0"/>
+                <a:ea typeface="ＭＳ Ｐゴシック" charset="0"/>
+                <a:cs typeface="ＭＳ Ｐゴシック" charset="0"/>
+              </a:rPr>
+              <a:t>We</a:t>
+            </a:r>
+            <a:r>
+              <a:rPr lang="ja-JP" altLang="en-US" dirty="0">
+                <a:latin typeface="Arial" charset="0"/>
+                <a:ea typeface="ＭＳ Ｐゴシック" charset="0"/>
+                <a:cs typeface="ＭＳ Ｐゴシック" charset="0"/>
+              </a:rPr>
+              <a:t>’</a:t>
+            </a:r>
+            <a:r>
+              <a:rPr lang="en-US" altLang="ja-JP" dirty="0" err="1">
+                <a:latin typeface="Arial" charset="0"/>
+                <a:ea typeface="ＭＳ Ｐゴシック" charset="0"/>
+                <a:cs typeface="ＭＳ Ｐゴシック" charset="0"/>
+              </a:rPr>
+              <a:t>ll</a:t>
+            </a:r>
+            <a:r>
+              <a:rPr lang="en-US" altLang="ja-JP" dirty="0">
+                <a:latin typeface="Arial" charset="0"/>
+                <a:ea typeface="ＭＳ Ｐゴシック" charset="0"/>
+                <a:cs typeface="ＭＳ Ｐゴシック" charset="0"/>
+              </a:rPr>
+              <a:t> look at crustacean eyes </a:t>
+            </a:r>
+            <a:endParaRPr lang="en-US" dirty="0">
+              <a:latin typeface="Arial" charset="0"/>
+              <a:ea typeface="ＭＳ Ｐゴシック" charset="0"/>
+              <a:cs typeface="ＭＳ Ｐゴシック" charset="0"/>
+            </a:endParaRPr>
           </a:p>
         </p:txBody>
       </p:sp>
       <p:sp>
         <p:nvSpPr>
-          <p:cNvPr id="31746" name="Rectangle 4"/>
-          <p:cNvSpPr>
-            <a:spLocks noChangeArrowheads="1"/>
-          </p:cNvSpPr>
-          <p:nvPr/>
-        </p:nvSpPr>
-        <p:spPr bwMode="auto">
-          <a:xfrm>
-            <a:off x="457200" y="76200"/>
-            <a:ext cx="8229600" cy="1143000"/>
-          </a:xfrm>
-          <a:prstGeom prst="rect">
-            <a:avLst/>
-          </a:prstGeom>
-          <a:noFill/>
-          <a:ln>
-            <a:noFill/>
-          </a:ln>
-          <a:extLst>
-            <a:ext uri="{909E8E84-426E-40dd-AFC4-6F175D3DCCD1}">
-              <a14:hiddenFill xmlns="" xmlns:a14="http://schemas.microsoft.com/office/drawing/2010/main">
-                <a:solidFill>
-                  <a:srgbClr val="FFFFFF"/>
-                </a:solidFill>
-              </a14:hiddenFill>
-            </a:ext>
-            <a:ext uri="{91240B29-F687-4f45-9708-019B960494DF}">
-              <a14:hiddenLine xmlns="" xmlns:a14="http://schemas.microsoft.com/office/drawing/2010/main" w="9525">
-                <a:solidFill>
-                  <a:srgbClr val="000000"/>
-                </a:solidFill>
-                <a:miter lim="800000"/>
-                <a:headEnd/>
-                <a:tailEnd/>
-              </a14:hiddenLine>
-            </a:ext>
-          </a:extLst>
-        </p:spPr>
+          <p:cNvPr id="29698" name="Rectangle 3"/>
+          <p:cNvSpPr>
+            <a:spLocks noGrp="1" noChangeArrowheads="1"/>
+          </p:cNvSpPr>
+          <p:nvPr>
+            <p:ph type="title"/>
+          </p:nvPr>
+        </p:nvSpPr>
+        <p:spPr/>
         <p:txBody>
-          <a:bodyPr anchor="ctr"/>
+          <a:bodyPr/>
           <a:lstStyle/>
           <a:p>
-            <a:pPr algn="ctr"/>
-            <a:r>
-              <a:rPr lang="en-US" sz="4400">
-                <a:solidFill>
-                  <a:schemeClr val="tx2"/>
-                </a:solidFill>
+            <a:pPr eaLnBrk="1" hangingPunct="1"/>
+            <a:r>
+              <a:rPr lang="en-US">
+                <a:latin typeface="Arial" charset="0"/>
+                <a:ea typeface="ＭＳ Ｐゴシック" charset="0"/>
+                <a:cs typeface="ＭＳ Ｐゴシック" charset="0"/>
               </a:rPr>
-              <a:t>Crustacean Development</a:t>
+              <a:t>Senses: in lab</a:t>
             </a:r>
           </a:p>
         </p:txBody>
       </p:sp>
-      <p:pic>
-        <p:nvPicPr>
-          <p:cNvPr id="31747" name="Picture 3" descr="Wonders of the Sea_ Crustaceans.jpg"/>
-          <p:cNvPicPr>
-            <a:picLocks noChangeAspect="1"/>
-          </p:cNvPicPr>
-          <p:nvPr/>
-        </p:nvPicPr>
-        <p:blipFill>
-          <a:blip r:embed="rId3">
-            <a:extLst>
-              <a:ext uri="{28A0092B-C50C-407E-A947-70E740481C1C}">
-                <a14:useLocalDpi xmlns:a14="http://schemas.microsoft.com/office/drawing/2010/main" val="0"/>
-              </a:ext>
-            </a:extLst>
-          </a:blip>
-          <a:srcRect/>
-          <a:stretch>
-            <a:fillRect/>
-          </a:stretch>
-        </p:blipFill>
-        <p:spPr bwMode="auto">
-          <a:xfrm>
-            <a:off x="1828800" y="3810000"/>
-            <a:ext cx="4953000" cy="2740025"/>
-          </a:xfrm>
-          <a:prstGeom prst="rect">
-            <a:avLst/>
-          </a:prstGeom>
-          <a:noFill/>
-          <a:ln>
-            <a:noFill/>
-          </a:ln>
-          <a:extLst>
-            <a:ext uri="{909E8E84-426E-40dd-AFC4-6F175D3DCCD1}">
-              <a14:hiddenFill xmlns="" xmlns:a14="http://schemas.microsoft.com/office/drawing/2010/main">
-                <a:solidFill>
-                  <a:srgbClr val="FFFFFF"/>
-                </a:solidFill>
-              </a14:hiddenFill>
-            </a:ext>
-            <a:ext uri="{91240B29-F687-4f45-9708-019B960494DF}">
-              <a14:hiddenLine xmlns="" xmlns:a14="http://schemas.microsoft.com/office/drawing/2010/main" w="9525">
-                <a:solidFill>
-                  <a:srgbClr val="000000"/>
-                </a:solidFill>
-                <a:miter lim="800000"/>
-                <a:headEnd/>
-                <a:tailEnd/>
-              </a14:hiddenLine>
-            </a:ext>
-          </a:extLst>
-        </p:spPr>
-      </p:pic>
     </p:spTree>
   </p:cSld>
   <p:clrMapOvr>
